--- a/ppt 16-9/1115.行路的人.pptx
+++ b/ppt 16-9/1115.行路的人.pptx
@@ -129,7 +129,7 @@
           <p:cNvPr id="2" name="标题 1">
             <a:extLst>
               <a:ext uri="{FF2B5EF4-FFF2-40B4-BE49-F238E27FC236}">
-                <a16:creationId xmlns:a16="http://schemas.microsoft.com/office/drawing/2014/main" id="{13C17132-AD6E-C521-7073-674C89C64B62}"/>
+                <a16:creationId xmlns:a16="http://schemas.microsoft.com/office/drawing/2014/main" id="{AFEEAB6F-9771-8950-E35E-2201D887745D}"/>
               </a:ext>
             </a:extLst>
           </p:cNvPr>
@@ -166,7 +166,7 @@
           <p:cNvPr id="3" name="副标题 2">
             <a:extLst>
               <a:ext uri="{FF2B5EF4-FFF2-40B4-BE49-F238E27FC236}">
-                <a16:creationId xmlns:a16="http://schemas.microsoft.com/office/drawing/2014/main" id="{BB36BDE9-2C7F-6A80-C172-9C0F6B51345C}"/>
+                <a16:creationId xmlns:a16="http://schemas.microsoft.com/office/drawing/2014/main" id="{FC1A53EB-08CE-ACFA-C748-A97D50103E27}"/>
               </a:ext>
             </a:extLst>
           </p:cNvPr>
@@ -236,7 +236,7 @@
           <p:cNvPr id="4" name="日期占位符 3">
             <a:extLst>
               <a:ext uri="{FF2B5EF4-FFF2-40B4-BE49-F238E27FC236}">
-                <a16:creationId xmlns:a16="http://schemas.microsoft.com/office/drawing/2014/main" id="{042C7A8A-02AF-9800-67E8-E80FA207B7E7}"/>
+                <a16:creationId xmlns:a16="http://schemas.microsoft.com/office/drawing/2014/main" id="{7EABC2D8-74D6-A6E0-F9B5-FC2CE793AEB7}"/>
               </a:ext>
             </a:extLst>
           </p:cNvPr>
@@ -252,7 +252,7 @@
           <a:bodyPr/>
           <a:lstStyle/>
           <a:p>
-            <a:fld id="{AD6F0BA9-E6A0-44D9-8C68-A9177038F4D1}" type="datetimeFigureOut">
+            <a:fld id="{CBEEA679-A350-4339-AA30-B3356DD2A22D}" type="datetimeFigureOut">
               <a:rPr lang="zh-CN" altLang="en-US" smtClean="0"/>
               <a:t>2024/3/10</a:t>
             </a:fld>
@@ -265,7 +265,7 @@
           <p:cNvPr id="5" name="页脚占位符 4">
             <a:extLst>
               <a:ext uri="{FF2B5EF4-FFF2-40B4-BE49-F238E27FC236}">
-                <a16:creationId xmlns:a16="http://schemas.microsoft.com/office/drawing/2014/main" id="{941265E1-AA56-C710-8C4D-AEBB490E8AAF}"/>
+                <a16:creationId xmlns:a16="http://schemas.microsoft.com/office/drawing/2014/main" id="{8B499B12-A89A-7CDA-3EF7-7029FE336FB3}"/>
               </a:ext>
             </a:extLst>
           </p:cNvPr>
@@ -290,7 +290,7 @@
           <p:cNvPr id="6" name="灯片编号占位符 5">
             <a:extLst>
               <a:ext uri="{FF2B5EF4-FFF2-40B4-BE49-F238E27FC236}">
-                <a16:creationId xmlns:a16="http://schemas.microsoft.com/office/drawing/2014/main" id="{B9867996-224F-0AA5-00B4-6240C37D8E32}"/>
+                <a16:creationId xmlns:a16="http://schemas.microsoft.com/office/drawing/2014/main" id="{704F7C32-363A-4BD9-C5B0-35DC2CE902D1}"/>
               </a:ext>
             </a:extLst>
           </p:cNvPr>
@@ -306,7 +306,7 @@
           <a:bodyPr/>
           <a:lstStyle/>
           <a:p>
-            <a:fld id="{B943B9A2-E9B2-46EB-AC54-E2A642B8C0DA}" type="slidenum">
+            <a:fld id="{5E53781C-730F-4F52-BCBF-A526E9E1916B}" type="slidenum">
               <a:rPr lang="zh-CN" altLang="en-US" smtClean="0"/>
               <a:t>‹#›</a:t>
             </a:fld>
@@ -317,7 +317,7 @@
     </p:spTree>
     <p:extLst>
       <p:ext uri="{BB962C8B-B14F-4D97-AF65-F5344CB8AC3E}">
-        <p14:creationId xmlns:p14="http://schemas.microsoft.com/office/powerpoint/2010/main" val="1560344038"/>
+        <p14:creationId xmlns:p14="http://schemas.microsoft.com/office/powerpoint/2010/main" val="2448243029"/>
       </p:ext>
     </p:extLst>
   </p:cSld>
@@ -349,7 +349,7 @@
           <p:cNvPr id="2" name="标题 1">
             <a:extLst>
               <a:ext uri="{FF2B5EF4-FFF2-40B4-BE49-F238E27FC236}">
-                <a16:creationId xmlns:a16="http://schemas.microsoft.com/office/drawing/2014/main" id="{12317ADB-E336-D823-CA99-797D8DB4CC8C}"/>
+                <a16:creationId xmlns:a16="http://schemas.microsoft.com/office/drawing/2014/main" id="{DB158760-C01A-832A-10B1-2CB4439D604F}"/>
               </a:ext>
             </a:extLst>
           </p:cNvPr>
@@ -377,7 +377,7 @@
           <p:cNvPr id="3" name="竖排文字占位符 2">
             <a:extLst>
               <a:ext uri="{FF2B5EF4-FFF2-40B4-BE49-F238E27FC236}">
-                <a16:creationId xmlns:a16="http://schemas.microsoft.com/office/drawing/2014/main" id="{204A0F27-DA98-1145-4E2C-7D30F1CCC2F6}"/>
+                <a16:creationId xmlns:a16="http://schemas.microsoft.com/office/drawing/2014/main" id="{FAF87351-1BFE-0D50-FEEB-DCB916916CF4}"/>
               </a:ext>
             </a:extLst>
           </p:cNvPr>
@@ -434,7 +434,7 @@
           <p:cNvPr id="4" name="日期占位符 3">
             <a:extLst>
               <a:ext uri="{FF2B5EF4-FFF2-40B4-BE49-F238E27FC236}">
-                <a16:creationId xmlns:a16="http://schemas.microsoft.com/office/drawing/2014/main" id="{FC06CDA7-3E68-EC81-AB11-823C37125E34}"/>
+                <a16:creationId xmlns:a16="http://schemas.microsoft.com/office/drawing/2014/main" id="{0EFC8626-D56E-CF95-7E86-5064E49CB023}"/>
               </a:ext>
             </a:extLst>
           </p:cNvPr>
@@ -450,7 +450,7 @@
           <a:bodyPr/>
           <a:lstStyle/>
           <a:p>
-            <a:fld id="{AD6F0BA9-E6A0-44D9-8C68-A9177038F4D1}" type="datetimeFigureOut">
+            <a:fld id="{CBEEA679-A350-4339-AA30-B3356DD2A22D}" type="datetimeFigureOut">
               <a:rPr lang="zh-CN" altLang="en-US" smtClean="0"/>
               <a:t>2024/3/10</a:t>
             </a:fld>
@@ -463,7 +463,7 @@
           <p:cNvPr id="5" name="页脚占位符 4">
             <a:extLst>
               <a:ext uri="{FF2B5EF4-FFF2-40B4-BE49-F238E27FC236}">
-                <a16:creationId xmlns:a16="http://schemas.microsoft.com/office/drawing/2014/main" id="{7FE5F151-5D35-2DA0-9D39-09097DD290DB}"/>
+                <a16:creationId xmlns:a16="http://schemas.microsoft.com/office/drawing/2014/main" id="{36A728E8-CBF0-8D2B-3F4D-D53979C542CA}"/>
               </a:ext>
             </a:extLst>
           </p:cNvPr>
@@ -488,7 +488,7 @@
           <p:cNvPr id="6" name="灯片编号占位符 5">
             <a:extLst>
               <a:ext uri="{FF2B5EF4-FFF2-40B4-BE49-F238E27FC236}">
-                <a16:creationId xmlns:a16="http://schemas.microsoft.com/office/drawing/2014/main" id="{620A534A-4637-CA4F-97D5-5F7AD9DA9AEF}"/>
+                <a16:creationId xmlns:a16="http://schemas.microsoft.com/office/drawing/2014/main" id="{56105C0F-0AC8-8EB9-63F4-6EB4A2BAED21}"/>
               </a:ext>
             </a:extLst>
           </p:cNvPr>
@@ -504,7 +504,7 @@
           <a:bodyPr/>
           <a:lstStyle/>
           <a:p>
-            <a:fld id="{B943B9A2-E9B2-46EB-AC54-E2A642B8C0DA}" type="slidenum">
+            <a:fld id="{5E53781C-730F-4F52-BCBF-A526E9E1916B}" type="slidenum">
               <a:rPr lang="zh-CN" altLang="en-US" smtClean="0"/>
               <a:t>‹#›</a:t>
             </a:fld>
@@ -515,7 +515,7 @@
     </p:spTree>
     <p:extLst>
       <p:ext uri="{BB962C8B-B14F-4D97-AF65-F5344CB8AC3E}">
-        <p14:creationId xmlns:p14="http://schemas.microsoft.com/office/powerpoint/2010/main" val="3331720389"/>
+        <p14:creationId xmlns:p14="http://schemas.microsoft.com/office/powerpoint/2010/main" val="3479834139"/>
       </p:ext>
     </p:extLst>
   </p:cSld>
@@ -547,7 +547,7 @@
           <p:cNvPr id="2" name="竖排标题 1">
             <a:extLst>
               <a:ext uri="{FF2B5EF4-FFF2-40B4-BE49-F238E27FC236}">
-                <a16:creationId xmlns:a16="http://schemas.microsoft.com/office/drawing/2014/main" id="{85F09B50-0F7F-AF6C-0462-2C6ABA8A0ED6}"/>
+                <a16:creationId xmlns:a16="http://schemas.microsoft.com/office/drawing/2014/main" id="{33455C30-B4D7-1F86-94EE-E35165F588C3}"/>
               </a:ext>
             </a:extLst>
           </p:cNvPr>
@@ -580,7 +580,7 @@
           <p:cNvPr id="3" name="竖排文字占位符 2">
             <a:extLst>
               <a:ext uri="{FF2B5EF4-FFF2-40B4-BE49-F238E27FC236}">
-                <a16:creationId xmlns:a16="http://schemas.microsoft.com/office/drawing/2014/main" id="{1EAF4CA5-A429-0D3B-FF51-FEAB85A60DDD}"/>
+                <a16:creationId xmlns:a16="http://schemas.microsoft.com/office/drawing/2014/main" id="{ACF61E58-2ADE-B088-DFCE-DF5A94DA1C87}"/>
               </a:ext>
             </a:extLst>
           </p:cNvPr>
@@ -642,7 +642,7 @@
           <p:cNvPr id="4" name="日期占位符 3">
             <a:extLst>
               <a:ext uri="{FF2B5EF4-FFF2-40B4-BE49-F238E27FC236}">
-                <a16:creationId xmlns:a16="http://schemas.microsoft.com/office/drawing/2014/main" id="{49D5E07A-E30C-9752-19DC-D455CCD5CA89}"/>
+                <a16:creationId xmlns:a16="http://schemas.microsoft.com/office/drawing/2014/main" id="{4DB50AF5-CDE2-7F6A-CC52-B6E42B0F3A17}"/>
               </a:ext>
             </a:extLst>
           </p:cNvPr>
@@ -658,7 +658,7 @@
           <a:bodyPr/>
           <a:lstStyle/>
           <a:p>
-            <a:fld id="{AD6F0BA9-E6A0-44D9-8C68-A9177038F4D1}" type="datetimeFigureOut">
+            <a:fld id="{CBEEA679-A350-4339-AA30-B3356DD2A22D}" type="datetimeFigureOut">
               <a:rPr lang="zh-CN" altLang="en-US" smtClean="0"/>
               <a:t>2024/3/10</a:t>
             </a:fld>
@@ -671,7 +671,7 @@
           <p:cNvPr id="5" name="页脚占位符 4">
             <a:extLst>
               <a:ext uri="{FF2B5EF4-FFF2-40B4-BE49-F238E27FC236}">
-                <a16:creationId xmlns:a16="http://schemas.microsoft.com/office/drawing/2014/main" id="{93A1CC34-3391-F28F-AC0F-79E97B3D8734}"/>
+                <a16:creationId xmlns:a16="http://schemas.microsoft.com/office/drawing/2014/main" id="{B9AFF843-7850-888A-CDFE-9D5DE5A316EC}"/>
               </a:ext>
             </a:extLst>
           </p:cNvPr>
@@ -696,7 +696,7 @@
           <p:cNvPr id="6" name="灯片编号占位符 5">
             <a:extLst>
               <a:ext uri="{FF2B5EF4-FFF2-40B4-BE49-F238E27FC236}">
-                <a16:creationId xmlns:a16="http://schemas.microsoft.com/office/drawing/2014/main" id="{0BC517CB-A0F1-80E8-5304-882DA9997903}"/>
+                <a16:creationId xmlns:a16="http://schemas.microsoft.com/office/drawing/2014/main" id="{BCB616D4-CD12-C926-76FA-10D621C5B954}"/>
               </a:ext>
             </a:extLst>
           </p:cNvPr>
@@ -712,7 +712,7 @@
           <a:bodyPr/>
           <a:lstStyle/>
           <a:p>
-            <a:fld id="{B943B9A2-E9B2-46EB-AC54-E2A642B8C0DA}" type="slidenum">
+            <a:fld id="{5E53781C-730F-4F52-BCBF-A526E9E1916B}" type="slidenum">
               <a:rPr lang="zh-CN" altLang="en-US" smtClean="0"/>
               <a:t>‹#›</a:t>
             </a:fld>
@@ -723,7 +723,7 @@
     </p:spTree>
     <p:extLst>
       <p:ext uri="{BB962C8B-B14F-4D97-AF65-F5344CB8AC3E}">
-        <p14:creationId xmlns:p14="http://schemas.microsoft.com/office/powerpoint/2010/main" val="1475303696"/>
+        <p14:creationId xmlns:p14="http://schemas.microsoft.com/office/powerpoint/2010/main" val="383604961"/>
       </p:ext>
     </p:extLst>
   </p:cSld>
@@ -755,7 +755,7 @@
           <p:cNvPr id="2" name="标题 1">
             <a:extLst>
               <a:ext uri="{FF2B5EF4-FFF2-40B4-BE49-F238E27FC236}">
-                <a16:creationId xmlns:a16="http://schemas.microsoft.com/office/drawing/2014/main" id="{EC51C6B8-B934-5A38-EFA7-31D3287C098D}"/>
+                <a16:creationId xmlns:a16="http://schemas.microsoft.com/office/drawing/2014/main" id="{E42EFD3C-8E9B-4792-A104-42361B6973D2}"/>
               </a:ext>
             </a:extLst>
           </p:cNvPr>
@@ -783,7 +783,7 @@
           <p:cNvPr id="3" name="内容占位符 2">
             <a:extLst>
               <a:ext uri="{FF2B5EF4-FFF2-40B4-BE49-F238E27FC236}">
-                <a16:creationId xmlns:a16="http://schemas.microsoft.com/office/drawing/2014/main" id="{029F7B72-FF03-0D8B-83CE-711336EA6E4D}"/>
+                <a16:creationId xmlns:a16="http://schemas.microsoft.com/office/drawing/2014/main" id="{521B6A8F-ADD3-0A8D-1BAA-749DF91EBF0D}"/>
               </a:ext>
             </a:extLst>
           </p:cNvPr>
@@ -840,7 +840,7 @@
           <p:cNvPr id="4" name="日期占位符 3">
             <a:extLst>
               <a:ext uri="{FF2B5EF4-FFF2-40B4-BE49-F238E27FC236}">
-                <a16:creationId xmlns:a16="http://schemas.microsoft.com/office/drawing/2014/main" id="{07361554-0C9E-BB9A-5711-0A4286D3F7AB}"/>
+                <a16:creationId xmlns:a16="http://schemas.microsoft.com/office/drawing/2014/main" id="{14BC7B93-0385-CE33-BBD6-6735BBF9AF1D}"/>
               </a:ext>
             </a:extLst>
           </p:cNvPr>
@@ -856,7 +856,7 @@
           <a:bodyPr/>
           <a:lstStyle/>
           <a:p>
-            <a:fld id="{AD6F0BA9-E6A0-44D9-8C68-A9177038F4D1}" type="datetimeFigureOut">
+            <a:fld id="{CBEEA679-A350-4339-AA30-B3356DD2A22D}" type="datetimeFigureOut">
               <a:rPr lang="zh-CN" altLang="en-US" smtClean="0"/>
               <a:t>2024/3/10</a:t>
             </a:fld>
@@ -869,7 +869,7 @@
           <p:cNvPr id="5" name="页脚占位符 4">
             <a:extLst>
               <a:ext uri="{FF2B5EF4-FFF2-40B4-BE49-F238E27FC236}">
-                <a16:creationId xmlns:a16="http://schemas.microsoft.com/office/drawing/2014/main" id="{3B47C4EF-C739-D15C-AAF5-76B686C2DA74}"/>
+                <a16:creationId xmlns:a16="http://schemas.microsoft.com/office/drawing/2014/main" id="{7D76DA6D-839C-92A9-35AD-326514125F86}"/>
               </a:ext>
             </a:extLst>
           </p:cNvPr>
@@ -894,7 +894,7 @@
           <p:cNvPr id="6" name="灯片编号占位符 5">
             <a:extLst>
               <a:ext uri="{FF2B5EF4-FFF2-40B4-BE49-F238E27FC236}">
-                <a16:creationId xmlns:a16="http://schemas.microsoft.com/office/drawing/2014/main" id="{BCEFBA76-3EAB-1347-2D0B-ABB005ADA5EC}"/>
+                <a16:creationId xmlns:a16="http://schemas.microsoft.com/office/drawing/2014/main" id="{8109F87A-4EC4-763C-1CFF-C673A4801525}"/>
               </a:ext>
             </a:extLst>
           </p:cNvPr>
@@ -910,7 +910,7 @@
           <a:bodyPr/>
           <a:lstStyle/>
           <a:p>
-            <a:fld id="{B943B9A2-E9B2-46EB-AC54-E2A642B8C0DA}" type="slidenum">
+            <a:fld id="{5E53781C-730F-4F52-BCBF-A526E9E1916B}" type="slidenum">
               <a:rPr lang="zh-CN" altLang="en-US" smtClean="0"/>
               <a:t>‹#›</a:t>
             </a:fld>
@@ -921,7 +921,7 @@
     </p:spTree>
     <p:extLst>
       <p:ext uri="{BB962C8B-B14F-4D97-AF65-F5344CB8AC3E}">
-        <p14:creationId xmlns:p14="http://schemas.microsoft.com/office/powerpoint/2010/main" val="1718191566"/>
+        <p14:creationId xmlns:p14="http://schemas.microsoft.com/office/powerpoint/2010/main" val="4146053667"/>
       </p:ext>
     </p:extLst>
   </p:cSld>
@@ -953,7 +953,7 @@
           <p:cNvPr id="2" name="标题 1">
             <a:extLst>
               <a:ext uri="{FF2B5EF4-FFF2-40B4-BE49-F238E27FC236}">
-                <a16:creationId xmlns:a16="http://schemas.microsoft.com/office/drawing/2014/main" id="{0A09D847-29C8-7997-CCE0-2775061CF3EA}"/>
+                <a16:creationId xmlns:a16="http://schemas.microsoft.com/office/drawing/2014/main" id="{72C40678-275E-9D66-4F1C-4E0153EA33FE}"/>
               </a:ext>
             </a:extLst>
           </p:cNvPr>
@@ -990,7 +990,7 @@
           <p:cNvPr id="3" name="文本占位符 2">
             <a:extLst>
               <a:ext uri="{FF2B5EF4-FFF2-40B4-BE49-F238E27FC236}">
-                <a16:creationId xmlns:a16="http://schemas.microsoft.com/office/drawing/2014/main" id="{385D4D35-C751-AAC6-3EB4-DF2964A84037}"/>
+                <a16:creationId xmlns:a16="http://schemas.microsoft.com/office/drawing/2014/main" id="{EC7F6A3C-4482-69AB-E189-7E4617A79E36}"/>
               </a:ext>
             </a:extLst>
           </p:cNvPr>
@@ -1115,7 +1115,7 @@
           <p:cNvPr id="4" name="日期占位符 3">
             <a:extLst>
               <a:ext uri="{FF2B5EF4-FFF2-40B4-BE49-F238E27FC236}">
-                <a16:creationId xmlns:a16="http://schemas.microsoft.com/office/drawing/2014/main" id="{180F8F50-AAB4-9778-11FE-2F96B56FDB85}"/>
+                <a16:creationId xmlns:a16="http://schemas.microsoft.com/office/drawing/2014/main" id="{88A5D09A-640F-9408-AA9E-C107CFB88F9E}"/>
               </a:ext>
             </a:extLst>
           </p:cNvPr>
@@ -1131,7 +1131,7 @@
           <a:bodyPr/>
           <a:lstStyle/>
           <a:p>
-            <a:fld id="{AD6F0BA9-E6A0-44D9-8C68-A9177038F4D1}" type="datetimeFigureOut">
+            <a:fld id="{CBEEA679-A350-4339-AA30-B3356DD2A22D}" type="datetimeFigureOut">
               <a:rPr lang="zh-CN" altLang="en-US" smtClean="0"/>
               <a:t>2024/3/10</a:t>
             </a:fld>
@@ -1144,7 +1144,7 @@
           <p:cNvPr id="5" name="页脚占位符 4">
             <a:extLst>
               <a:ext uri="{FF2B5EF4-FFF2-40B4-BE49-F238E27FC236}">
-                <a16:creationId xmlns:a16="http://schemas.microsoft.com/office/drawing/2014/main" id="{2C5F5906-6981-1DE4-CE08-679C9F406BCF}"/>
+                <a16:creationId xmlns:a16="http://schemas.microsoft.com/office/drawing/2014/main" id="{5B5365FD-4789-C0D8-103F-74FEBEEDEDAF}"/>
               </a:ext>
             </a:extLst>
           </p:cNvPr>
@@ -1169,7 +1169,7 @@
           <p:cNvPr id="6" name="灯片编号占位符 5">
             <a:extLst>
               <a:ext uri="{FF2B5EF4-FFF2-40B4-BE49-F238E27FC236}">
-                <a16:creationId xmlns:a16="http://schemas.microsoft.com/office/drawing/2014/main" id="{2DED3D8F-E179-6236-E019-511C222E411D}"/>
+                <a16:creationId xmlns:a16="http://schemas.microsoft.com/office/drawing/2014/main" id="{5447A5CB-0EBB-A987-FA17-54B2A1360B07}"/>
               </a:ext>
             </a:extLst>
           </p:cNvPr>
@@ -1185,7 +1185,7 @@
           <a:bodyPr/>
           <a:lstStyle/>
           <a:p>
-            <a:fld id="{B943B9A2-E9B2-46EB-AC54-E2A642B8C0DA}" type="slidenum">
+            <a:fld id="{5E53781C-730F-4F52-BCBF-A526E9E1916B}" type="slidenum">
               <a:rPr lang="zh-CN" altLang="en-US" smtClean="0"/>
               <a:t>‹#›</a:t>
             </a:fld>
@@ -1196,7 +1196,7 @@
     </p:spTree>
     <p:extLst>
       <p:ext uri="{BB962C8B-B14F-4D97-AF65-F5344CB8AC3E}">
-        <p14:creationId xmlns:p14="http://schemas.microsoft.com/office/powerpoint/2010/main" val="2520461344"/>
+        <p14:creationId xmlns:p14="http://schemas.microsoft.com/office/powerpoint/2010/main" val="1156145671"/>
       </p:ext>
     </p:extLst>
   </p:cSld>
@@ -1228,7 +1228,7 @@
           <p:cNvPr id="2" name="标题 1">
             <a:extLst>
               <a:ext uri="{FF2B5EF4-FFF2-40B4-BE49-F238E27FC236}">
-                <a16:creationId xmlns:a16="http://schemas.microsoft.com/office/drawing/2014/main" id="{C3EF578A-E908-8373-4F42-6E269ECFB13C}"/>
+                <a16:creationId xmlns:a16="http://schemas.microsoft.com/office/drawing/2014/main" id="{6D013477-2594-6332-A20C-8833A253CD38}"/>
               </a:ext>
             </a:extLst>
           </p:cNvPr>
@@ -1256,7 +1256,7 @@
           <p:cNvPr id="3" name="内容占位符 2">
             <a:extLst>
               <a:ext uri="{FF2B5EF4-FFF2-40B4-BE49-F238E27FC236}">
-                <a16:creationId xmlns:a16="http://schemas.microsoft.com/office/drawing/2014/main" id="{EA1ADBD4-9414-7442-A751-2E18830EBD2B}"/>
+                <a16:creationId xmlns:a16="http://schemas.microsoft.com/office/drawing/2014/main" id="{EE561CCC-1D0B-061F-165D-4537AAC02E36}"/>
               </a:ext>
             </a:extLst>
           </p:cNvPr>
@@ -1318,7 +1318,7 @@
           <p:cNvPr id="4" name="内容占位符 3">
             <a:extLst>
               <a:ext uri="{FF2B5EF4-FFF2-40B4-BE49-F238E27FC236}">
-                <a16:creationId xmlns:a16="http://schemas.microsoft.com/office/drawing/2014/main" id="{932EC378-B317-E0B3-40A8-CD1FA374F703}"/>
+                <a16:creationId xmlns:a16="http://schemas.microsoft.com/office/drawing/2014/main" id="{D70EA06B-9A98-A07E-EBCD-5DB1D24F51A3}"/>
               </a:ext>
             </a:extLst>
           </p:cNvPr>
@@ -1380,7 +1380,7 @@
           <p:cNvPr id="5" name="日期占位符 4">
             <a:extLst>
               <a:ext uri="{FF2B5EF4-FFF2-40B4-BE49-F238E27FC236}">
-                <a16:creationId xmlns:a16="http://schemas.microsoft.com/office/drawing/2014/main" id="{99A5A128-79D9-07F5-D9F2-1F91B85594BE}"/>
+                <a16:creationId xmlns:a16="http://schemas.microsoft.com/office/drawing/2014/main" id="{E1DEE18D-BEA9-47DE-9855-6CA7486EB16F}"/>
               </a:ext>
             </a:extLst>
           </p:cNvPr>
@@ -1396,7 +1396,7 @@
           <a:bodyPr/>
           <a:lstStyle/>
           <a:p>
-            <a:fld id="{AD6F0BA9-E6A0-44D9-8C68-A9177038F4D1}" type="datetimeFigureOut">
+            <a:fld id="{CBEEA679-A350-4339-AA30-B3356DD2A22D}" type="datetimeFigureOut">
               <a:rPr lang="zh-CN" altLang="en-US" smtClean="0"/>
               <a:t>2024/3/10</a:t>
             </a:fld>
@@ -1409,7 +1409,7 @@
           <p:cNvPr id="6" name="页脚占位符 5">
             <a:extLst>
               <a:ext uri="{FF2B5EF4-FFF2-40B4-BE49-F238E27FC236}">
-                <a16:creationId xmlns:a16="http://schemas.microsoft.com/office/drawing/2014/main" id="{86B6D145-82E1-8E98-CA80-D0072934EDB3}"/>
+                <a16:creationId xmlns:a16="http://schemas.microsoft.com/office/drawing/2014/main" id="{2FCCECE1-DC90-1625-D194-A729CDF90819}"/>
               </a:ext>
             </a:extLst>
           </p:cNvPr>
@@ -1434,7 +1434,7 @@
           <p:cNvPr id="7" name="灯片编号占位符 6">
             <a:extLst>
               <a:ext uri="{FF2B5EF4-FFF2-40B4-BE49-F238E27FC236}">
-                <a16:creationId xmlns:a16="http://schemas.microsoft.com/office/drawing/2014/main" id="{6BBC744F-EE3E-D067-2FC1-F3D2ADA7866C}"/>
+                <a16:creationId xmlns:a16="http://schemas.microsoft.com/office/drawing/2014/main" id="{CEBB8E9B-4F0F-AD2D-4E0E-E7BD4C5ADE14}"/>
               </a:ext>
             </a:extLst>
           </p:cNvPr>
@@ -1450,7 +1450,7 @@
           <a:bodyPr/>
           <a:lstStyle/>
           <a:p>
-            <a:fld id="{B943B9A2-E9B2-46EB-AC54-E2A642B8C0DA}" type="slidenum">
+            <a:fld id="{5E53781C-730F-4F52-BCBF-A526E9E1916B}" type="slidenum">
               <a:rPr lang="zh-CN" altLang="en-US" smtClean="0"/>
               <a:t>‹#›</a:t>
             </a:fld>
@@ -1461,7 +1461,7 @@
     </p:spTree>
     <p:extLst>
       <p:ext uri="{BB962C8B-B14F-4D97-AF65-F5344CB8AC3E}">
-        <p14:creationId xmlns:p14="http://schemas.microsoft.com/office/powerpoint/2010/main" val="2708904073"/>
+        <p14:creationId xmlns:p14="http://schemas.microsoft.com/office/powerpoint/2010/main" val="3300981756"/>
       </p:ext>
     </p:extLst>
   </p:cSld>
@@ -1493,7 +1493,7 @@
           <p:cNvPr id="2" name="标题 1">
             <a:extLst>
               <a:ext uri="{FF2B5EF4-FFF2-40B4-BE49-F238E27FC236}">
-                <a16:creationId xmlns:a16="http://schemas.microsoft.com/office/drawing/2014/main" id="{8C330E10-7449-CF7A-AA51-F407865CD453}"/>
+                <a16:creationId xmlns:a16="http://schemas.microsoft.com/office/drawing/2014/main" id="{70322164-3CF9-2435-672A-0E9B326077CE}"/>
               </a:ext>
             </a:extLst>
           </p:cNvPr>
@@ -1526,7 +1526,7 @@
           <p:cNvPr id="3" name="文本占位符 2">
             <a:extLst>
               <a:ext uri="{FF2B5EF4-FFF2-40B4-BE49-F238E27FC236}">
-                <a16:creationId xmlns:a16="http://schemas.microsoft.com/office/drawing/2014/main" id="{8DB52F2F-153C-E9E5-17A1-815CFAF925CA}"/>
+                <a16:creationId xmlns:a16="http://schemas.microsoft.com/office/drawing/2014/main" id="{986A2EDA-674F-43F6-2B7A-E7E9ADC25C00}"/>
               </a:ext>
             </a:extLst>
           </p:cNvPr>
@@ -1597,7 +1597,7 @@
           <p:cNvPr id="4" name="内容占位符 3">
             <a:extLst>
               <a:ext uri="{FF2B5EF4-FFF2-40B4-BE49-F238E27FC236}">
-                <a16:creationId xmlns:a16="http://schemas.microsoft.com/office/drawing/2014/main" id="{0399C1B9-3586-6683-E338-C78422A8D07A}"/>
+                <a16:creationId xmlns:a16="http://schemas.microsoft.com/office/drawing/2014/main" id="{AA6E65BB-93A7-8F1A-A46F-DF2F9C3F57A1}"/>
               </a:ext>
             </a:extLst>
           </p:cNvPr>
@@ -1659,7 +1659,7 @@
           <p:cNvPr id="5" name="文本占位符 4">
             <a:extLst>
               <a:ext uri="{FF2B5EF4-FFF2-40B4-BE49-F238E27FC236}">
-                <a16:creationId xmlns:a16="http://schemas.microsoft.com/office/drawing/2014/main" id="{297E853C-9ECF-01F7-B274-FFDD1DD57B93}"/>
+                <a16:creationId xmlns:a16="http://schemas.microsoft.com/office/drawing/2014/main" id="{F41C9A41-3AF5-FA94-6B82-76BA6E6EF151}"/>
               </a:ext>
             </a:extLst>
           </p:cNvPr>
@@ -1730,7 +1730,7 @@
           <p:cNvPr id="6" name="内容占位符 5">
             <a:extLst>
               <a:ext uri="{FF2B5EF4-FFF2-40B4-BE49-F238E27FC236}">
-                <a16:creationId xmlns:a16="http://schemas.microsoft.com/office/drawing/2014/main" id="{99FEA73D-D049-05DF-1B21-10110CBF9225}"/>
+                <a16:creationId xmlns:a16="http://schemas.microsoft.com/office/drawing/2014/main" id="{A8A01E1E-EFE5-60B1-9568-A9921AE6DC90}"/>
               </a:ext>
             </a:extLst>
           </p:cNvPr>
@@ -1792,7 +1792,7 @@
           <p:cNvPr id="7" name="日期占位符 6">
             <a:extLst>
               <a:ext uri="{FF2B5EF4-FFF2-40B4-BE49-F238E27FC236}">
-                <a16:creationId xmlns:a16="http://schemas.microsoft.com/office/drawing/2014/main" id="{437A6E34-7078-36BA-252D-1E65DF4CBA31}"/>
+                <a16:creationId xmlns:a16="http://schemas.microsoft.com/office/drawing/2014/main" id="{3E6D38A2-6324-1FDC-8A0A-08CAAD477FB4}"/>
               </a:ext>
             </a:extLst>
           </p:cNvPr>
@@ -1808,7 +1808,7 @@
           <a:bodyPr/>
           <a:lstStyle/>
           <a:p>
-            <a:fld id="{AD6F0BA9-E6A0-44D9-8C68-A9177038F4D1}" type="datetimeFigureOut">
+            <a:fld id="{CBEEA679-A350-4339-AA30-B3356DD2A22D}" type="datetimeFigureOut">
               <a:rPr lang="zh-CN" altLang="en-US" smtClean="0"/>
               <a:t>2024/3/10</a:t>
             </a:fld>
@@ -1821,7 +1821,7 @@
           <p:cNvPr id="8" name="页脚占位符 7">
             <a:extLst>
               <a:ext uri="{FF2B5EF4-FFF2-40B4-BE49-F238E27FC236}">
-                <a16:creationId xmlns:a16="http://schemas.microsoft.com/office/drawing/2014/main" id="{9110E289-45E4-57F3-FE2C-64C410D4698E}"/>
+                <a16:creationId xmlns:a16="http://schemas.microsoft.com/office/drawing/2014/main" id="{923C39CF-7121-5B10-CA20-614188621DC6}"/>
               </a:ext>
             </a:extLst>
           </p:cNvPr>
@@ -1846,7 +1846,7 @@
           <p:cNvPr id="9" name="灯片编号占位符 8">
             <a:extLst>
               <a:ext uri="{FF2B5EF4-FFF2-40B4-BE49-F238E27FC236}">
-                <a16:creationId xmlns:a16="http://schemas.microsoft.com/office/drawing/2014/main" id="{CD4D6812-D50E-EF0F-667E-9287B0F5D326}"/>
+                <a16:creationId xmlns:a16="http://schemas.microsoft.com/office/drawing/2014/main" id="{66D74064-4FA0-A79B-D7AF-F293C8A00ECA}"/>
               </a:ext>
             </a:extLst>
           </p:cNvPr>
@@ -1862,7 +1862,7 @@
           <a:bodyPr/>
           <a:lstStyle/>
           <a:p>
-            <a:fld id="{B943B9A2-E9B2-46EB-AC54-E2A642B8C0DA}" type="slidenum">
+            <a:fld id="{5E53781C-730F-4F52-BCBF-A526E9E1916B}" type="slidenum">
               <a:rPr lang="zh-CN" altLang="en-US" smtClean="0"/>
               <a:t>‹#›</a:t>
             </a:fld>
@@ -1873,7 +1873,7 @@
     </p:spTree>
     <p:extLst>
       <p:ext uri="{BB962C8B-B14F-4D97-AF65-F5344CB8AC3E}">
-        <p14:creationId xmlns:p14="http://schemas.microsoft.com/office/powerpoint/2010/main" val="3936421346"/>
+        <p14:creationId xmlns:p14="http://schemas.microsoft.com/office/powerpoint/2010/main" val="4217206116"/>
       </p:ext>
     </p:extLst>
   </p:cSld>
@@ -1905,7 +1905,7 @@
           <p:cNvPr id="2" name="标题 1">
             <a:extLst>
               <a:ext uri="{FF2B5EF4-FFF2-40B4-BE49-F238E27FC236}">
-                <a16:creationId xmlns:a16="http://schemas.microsoft.com/office/drawing/2014/main" id="{ED4A1792-8443-0EE3-C80B-2199400FFD34}"/>
+                <a16:creationId xmlns:a16="http://schemas.microsoft.com/office/drawing/2014/main" id="{4D4AA020-6949-2473-DD14-E3EDF67F1274}"/>
               </a:ext>
             </a:extLst>
           </p:cNvPr>
@@ -1933,7 +1933,7 @@
           <p:cNvPr id="3" name="日期占位符 2">
             <a:extLst>
               <a:ext uri="{FF2B5EF4-FFF2-40B4-BE49-F238E27FC236}">
-                <a16:creationId xmlns:a16="http://schemas.microsoft.com/office/drawing/2014/main" id="{922EBD6C-57D7-54FB-7A41-47B28DCF6172}"/>
+                <a16:creationId xmlns:a16="http://schemas.microsoft.com/office/drawing/2014/main" id="{F8C8D985-9C26-50EB-5699-01E7658DD186}"/>
               </a:ext>
             </a:extLst>
           </p:cNvPr>
@@ -1949,7 +1949,7 @@
           <a:bodyPr/>
           <a:lstStyle/>
           <a:p>
-            <a:fld id="{AD6F0BA9-E6A0-44D9-8C68-A9177038F4D1}" type="datetimeFigureOut">
+            <a:fld id="{CBEEA679-A350-4339-AA30-B3356DD2A22D}" type="datetimeFigureOut">
               <a:rPr lang="zh-CN" altLang="en-US" smtClean="0"/>
               <a:t>2024/3/10</a:t>
             </a:fld>
@@ -1962,7 +1962,7 @@
           <p:cNvPr id="4" name="页脚占位符 3">
             <a:extLst>
               <a:ext uri="{FF2B5EF4-FFF2-40B4-BE49-F238E27FC236}">
-                <a16:creationId xmlns:a16="http://schemas.microsoft.com/office/drawing/2014/main" id="{D58F150F-B095-6F74-8F1C-CFE9C8C0B9EB}"/>
+                <a16:creationId xmlns:a16="http://schemas.microsoft.com/office/drawing/2014/main" id="{30430B03-6DCD-56B3-A3A8-994EDD1D2CD4}"/>
               </a:ext>
             </a:extLst>
           </p:cNvPr>
@@ -1987,7 +1987,7 @@
           <p:cNvPr id="5" name="灯片编号占位符 4">
             <a:extLst>
               <a:ext uri="{FF2B5EF4-FFF2-40B4-BE49-F238E27FC236}">
-                <a16:creationId xmlns:a16="http://schemas.microsoft.com/office/drawing/2014/main" id="{D053C497-1C44-68C2-3AD5-D66C5F01030C}"/>
+                <a16:creationId xmlns:a16="http://schemas.microsoft.com/office/drawing/2014/main" id="{3C9616C1-5231-75F7-FB8E-F379E41BE3E0}"/>
               </a:ext>
             </a:extLst>
           </p:cNvPr>
@@ -2003,7 +2003,7 @@
           <a:bodyPr/>
           <a:lstStyle/>
           <a:p>
-            <a:fld id="{B943B9A2-E9B2-46EB-AC54-E2A642B8C0DA}" type="slidenum">
+            <a:fld id="{5E53781C-730F-4F52-BCBF-A526E9E1916B}" type="slidenum">
               <a:rPr lang="zh-CN" altLang="en-US" smtClean="0"/>
               <a:t>‹#›</a:t>
             </a:fld>
@@ -2014,7 +2014,7 @@
     </p:spTree>
     <p:extLst>
       <p:ext uri="{BB962C8B-B14F-4D97-AF65-F5344CB8AC3E}">
-        <p14:creationId xmlns:p14="http://schemas.microsoft.com/office/powerpoint/2010/main" val="217656759"/>
+        <p14:creationId xmlns:p14="http://schemas.microsoft.com/office/powerpoint/2010/main" val="791386073"/>
       </p:ext>
     </p:extLst>
   </p:cSld>
@@ -2046,7 +2046,7 @@
           <p:cNvPr id="2" name="日期占位符 1">
             <a:extLst>
               <a:ext uri="{FF2B5EF4-FFF2-40B4-BE49-F238E27FC236}">
-                <a16:creationId xmlns:a16="http://schemas.microsoft.com/office/drawing/2014/main" id="{648BEF1F-9BB5-7D11-F786-CAC8495C251C}"/>
+                <a16:creationId xmlns:a16="http://schemas.microsoft.com/office/drawing/2014/main" id="{3B0BA170-C8BD-876E-D05E-63E2AEC54F5C}"/>
               </a:ext>
             </a:extLst>
           </p:cNvPr>
@@ -2062,7 +2062,7 @@
           <a:bodyPr/>
           <a:lstStyle/>
           <a:p>
-            <a:fld id="{AD6F0BA9-E6A0-44D9-8C68-A9177038F4D1}" type="datetimeFigureOut">
+            <a:fld id="{CBEEA679-A350-4339-AA30-B3356DD2A22D}" type="datetimeFigureOut">
               <a:rPr lang="zh-CN" altLang="en-US" smtClean="0"/>
               <a:t>2024/3/10</a:t>
             </a:fld>
@@ -2075,7 +2075,7 @@
           <p:cNvPr id="3" name="页脚占位符 2">
             <a:extLst>
               <a:ext uri="{FF2B5EF4-FFF2-40B4-BE49-F238E27FC236}">
-                <a16:creationId xmlns:a16="http://schemas.microsoft.com/office/drawing/2014/main" id="{A8B4F7D6-1CEF-B13B-5288-B711E652B5AE}"/>
+                <a16:creationId xmlns:a16="http://schemas.microsoft.com/office/drawing/2014/main" id="{9C880798-45F4-7A8C-A1FA-1EF6637A8893}"/>
               </a:ext>
             </a:extLst>
           </p:cNvPr>
@@ -2100,7 +2100,7 @@
           <p:cNvPr id="4" name="灯片编号占位符 3">
             <a:extLst>
               <a:ext uri="{FF2B5EF4-FFF2-40B4-BE49-F238E27FC236}">
-                <a16:creationId xmlns:a16="http://schemas.microsoft.com/office/drawing/2014/main" id="{4BB4D53E-FDE5-53FD-BA0A-C846E0335D7A}"/>
+                <a16:creationId xmlns:a16="http://schemas.microsoft.com/office/drawing/2014/main" id="{445981C9-CC36-BA67-F350-3C34DD01F795}"/>
               </a:ext>
             </a:extLst>
           </p:cNvPr>
@@ -2116,7 +2116,7 @@
           <a:bodyPr/>
           <a:lstStyle/>
           <a:p>
-            <a:fld id="{B943B9A2-E9B2-46EB-AC54-E2A642B8C0DA}" type="slidenum">
+            <a:fld id="{5E53781C-730F-4F52-BCBF-A526E9E1916B}" type="slidenum">
               <a:rPr lang="zh-CN" altLang="en-US" smtClean="0"/>
               <a:t>‹#›</a:t>
             </a:fld>
@@ -2127,7 +2127,7 @@
     </p:spTree>
     <p:extLst>
       <p:ext uri="{BB962C8B-B14F-4D97-AF65-F5344CB8AC3E}">
-        <p14:creationId xmlns:p14="http://schemas.microsoft.com/office/powerpoint/2010/main" val="2431617631"/>
+        <p14:creationId xmlns:p14="http://schemas.microsoft.com/office/powerpoint/2010/main" val="2992490115"/>
       </p:ext>
     </p:extLst>
   </p:cSld>
@@ -2159,7 +2159,7 @@
           <p:cNvPr id="2" name="标题 1">
             <a:extLst>
               <a:ext uri="{FF2B5EF4-FFF2-40B4-BE49-F238E27FC236}">
-                <a16:creationId xmlns:a16="http://schemas.microsoft.com/office/drawing/2014/main" id="{0F5753ED-890A-B91E-06F1-68500706C7E9}"/>
+                <a16:creationId xmlns:a16="http://schemas.microsoft.com/office/drawing/2014/main" id="{13D34E76-10B3-04BC-232B-C1890C7C13A4}"/>
               </a:ext>
             </a:extLst>
           </p:cNvPr>
@@ -2196,7 +2196,7 @@
           <p:cNvPr id="3" name="内容占位符 2">
             <a:extLst>
               <a:ext uri="{FF2B5EF4-FFF2-40B4-BE49-F238E27FC236}">
-                <a16:creationId xmlns:a16="http://schemas.microsoft.com/office/drawing/2014/main" id="{D8C13674-2C84-F68C-9FE0-9DE58283A8AE}"/>
+                <a16:creationId xmlns:a16="http://schemas.microsoft.com/office/drawing/2014/main" id="{A4A6A821-E6C6-74D6-8B9F-8D89A7E36AC1}"/>
               </a:ext>
             </a:extLst>
           </p:cNvPr>
@@ -2286,7 +2286,7 @@
           <p:cNvPr id="4" name="文本占位符 3">
             <a:extLst>
               <a:ext uri="{FF2B5EF4-FFF2-40B4-BE49-F238E27FC236}">
-                <a16:creationId xmlns:a16="http://schemas.microsoft.com/office/drawing/2014/main" id="{901E95B0-1486-33BA-403A-AF79BC6D52CC}"/>
+                <a16:creationId xmlns:a16="http://schemas.microsoft.com/office/drawing/2014/main" id="{33B1AC58-036E-DBD8-9D0E-F0EC496A428F}"/>
               </a:ext>
             </a:extLst>
           </p:cNvPr>
@@ -2357,7 +2357,7 @@
           <p:cNvPr id="5" name="日期占位符 4">
             <a:extLst>
               <a:ext uri="{FF2B5EF4-FFF2-40B4-BE49-F238E27FC236}">
-                <a16:creationId xmlns:a16="http://schemas.microsoft.com/office/drawing/2014/main" id="{4256633B-5FDE-15BC-A7F9-436328B91508}"/>
+                <a16:creationId xmlns:a16="http://schemas.microsoft.com/office/drawing/2014/main" id="{CCE519C1-F0D0-E96D-A5A9-003E7A548EF0}"/>
               </a:ext>
             </a:extLst>
           </p:cNvPr>
@@ -2373,7 +2373,7 @@
           <a:bodyPr/>
           <a:lstStyle/>
           <a:p>
-            <a:fld id="{AD6F0BA9-E6A0-44D9-8C68-A9177038F4D1}" type="datetimeFigureOut">
+            <a:fld id="{CBEEA679-A350-4339-AA30-B3356DD2A22D}" type="datetimeFigureOut">
               <a:rPr lang="zh-CN" altLang="en-US" smtClean="0"/>
               <a:t>2024/3/10</a:t>
             </a:fld>
@@ -2386,7 +2386,7 @@
           <p:cNvPr id="6" name="页脚占位符 5">
             <a:extLst>
               <a:ext uri="{FF2B5EF4-FFF2-40B4-BE49-F238E27FC236}">
-                <a16:creationId xmlns:a16="http://schemas.microsoft.com/office/drawing/2014/main" id="{AD6A6F2D-5210-4C1A-144C-C9C1B8E96F26}"/>
+                <a16:creationId xmlns:a16="http://schemas.microsoft.com/office/drawing/2014/main" id="{3013D692-0DB3-11FC-0252-CB7CDAA0BEBB}"/>
               </a:ext>
             </a:extLst>
           </p:cNvPr>
@@ -2411,7 +2411,7 @@
           <p:cNvPr id="7" name="灯片编号占位符 6">
             <a:extLst>
               <a:ext uri="{FF2B5EF4-FFF2-40B4-BE49-F238E27FC236}">
-                <a16:creationId xmlns:a16="http://schemas.microsoft.com/office/drawing/2014/main" id="{D0D6772A-7375-1935-4166-9D723B049F3A}"/>
+                <a16:creationId xmlns:a16="http://schemas.microsoft.com/office/drawing/2014/main" id="{ECD1BC4E-B4EC-2DE5-DE64-DBE20FFFD1D0}"/>
               </a:ext>
             </a:extLst>
           </p:cNvPr>
@@ -2427,7 +2427,7 @@
           <a:bodyPr/>
           <a:lstStyle/>
           <a:p>
-            <a:fld id="{B943B9A2-E9B2-46EB-AC54-E2A642B8C0DA}" type="slidenum">
+            <a:fld id="{5E53781C-730F-4F52-BCBF-A526E9E1916B}" type="slidenum">
               <a:rPr lang="zh-CN" altLang="en-US" smtClean="0"/>
               <a:t>‹#›</a:t>
             </a:fld>
@@ -2438,7 +2438,7 @@
     </p:spTree>
     <p:extLst>
       <p:ext uri="{BB962C8B-B14F-4D97-AF65-F5344CB8AC3E}">
-        <p14:creationId xmlns:p14="http://schemas.microsoft.com/office/powerpoint/2010/main" val="89816840"/>
+        <p14:creationId xmlns:p14="http://schemas.microsoft.com/office/powerpoint/2010/main" val="3525635071"/>
       </p:ext>
     </p:extLst>
   </p:cSld>
@@ -2470,7 +2470,7 @@
           <p:cNvPr id="2" name="标题 1">
             <a:extLst>
               <a:ext uri="{FF2B5EF4-FFF2-40B4-BE49-F238E27FC236}">
-                <a16:creationId xmlns:a16="http://schemas.microsoft.com/office/drawing/2014/main" id="{CF18468D-9C5F-D01C-56DC-595E48E625C1}"/>
+                <a16:creationId xmlns:a16="http://schemas.microsoft.com/office/drawing/2014/main" id="{9B10ED75-23F6-7CFC-F14F-DEB48915B0D5}"/>
               </a:ext>
             </a:extLst>
           </p:cNvPr>
@@ -2507,7 +2507,7 @@
           <p:cNvPr id="3" name="图片占位符 2">
             <a:extLst>
               <a:ext uri="{FF2B5EF4-FFF2-40B4-BE49-F238E27FC236}">
-                <a16:creationId xmlns:a16="http://schemas.microsoft.com/office/drawing/2014/main" id="{06FB4E2A-3C1A-2959-5D80-80A95CCC3893}"/>
+                <a16:creationId xmlns:a16="http://schemas.microsoft.com/office/drawing/2014/main" id="{624BEFEC-F53C-375F-43F0-F9054698DC50}"/>
               </a:ext>
             </a:extLst>
           </p:cNvPr>
@@ -2574,7 +2574,7 @@
           <p:cNvPr id="4" name="文本占位符 3">
             <a:extLst>
               <a:ext uri="{FF2B5EF4-FFF2-40B4-BE49-F238E27FC236}">
-                <a16:creationId xmlns:a16="http://schemas.microsoft.com/office/drawing/2014/main" id="{98126906-2E80-D104-1BA2-29E05D52ABD6}"/>
+                <a16:creationId xmlns:a16="http://schemas.microsoft.com/office/drawing/2014/main" id="{AFACFD80-8788-477E-75D1-9E80F11AEF9A}"/>
               </a:ext>
             </a:extLst>
           </p:cNvPr>
@@ -2645,7 +2645,7 @@
           <p:cNvPr id="5" name="日期占位符 4">
             <a:extLst>
               <a:ext uri="{FF2B5EF4-FFF2-40B4-BE49-F238E27FC236}">
-                <a16:creationId xmlns:a16="http://schemas.microsoft.com/office/drawing/2014/main" id="{BAC5FF2F-B141-086A-DB55-16DDFB48452A}"/>
+                <a16:creationId xmlns:a16="http://schemas.microsoft.com/office/drawing/2014/main" id="{4E73F126-69C5-12F6-26B8-53A67BB47FBF}"/>
               </a:ext>
             </a:extLst>
           </p:cNvPr>
@@ -2661,7 +2661,7 @@
           <a:bodyPr/>
           <a:lstStyle/>
           <a:p>
-            <a:fld id="{AD6F0BA9-E6A0-44D9-8C68-A9177038F4D1}" type="datetimeFigureOut">
+            <a:fld id="{CBEEA679-A350-4339-AA30-B3356DD2A22D}" type="datetimeFigureOut">
               <a:rPr lang="zh-CN" altLang="en-US" smtClean="0"/>
               <a:t>2024/3/10</a:t>
             </a:fld>
@@ -2674,7 +2674,7 @@
           <p:cNvPr id="6" name="页脚占位符 5">
             <a:extLst>
               <a:ext uri="{FF2B5EF4-FFF2-40B4-BE49-F238E27FC236}">
-                <a16:creationId xmlns:a16="http://schemas.microsoft.com/office/drawing/2014/main" id="{F7A2CFBB-9782-6F3D-28AF-CC7A7481B674}"/>
+                <a16:creationId xmlns:a16="http://schemas.microsoft.com/office/drawing/2014/main" id="{FBB1CB56-AC9F-9A79-E2E5-A0E966973BBD}"/>
               </a:ext>
             </a:extLst>
           </p:cNvPr>
@@ -2699,7 +2699,7 @@
           <p:cNvPr id="7" name="灯片编号占位符 6">
             <a:extLst>
               <a:ext uri="{FF2B5EF4-FFF2-40B4-BE49-F238E27FC236}">
-                <a16:creationId xmlns:a16="http://schemas.microsoft.com/office/drawing/2014/main" id="{489117E3-DCE6-5E2E-1FB5-24467D61B8EC}"/>
+                <a16:creationId xmlns:a16="http://schemas.microsoft.com/office/drawing/2014/main" id="{CD2ED219-D237-FCF7-A02F-4E97F84F765B}"/>
               </a:ext>
             </a:extLst>
           </p:cNvPr>
@@ -2715,7 +2715,7 @@
           <a:bodyPr/>
           <a:lstStyle/>
           <a:p>
-            <a:fld id="{B943B9A2-E9B2-46EB-AC54-E2A642B8C0DA}" type="slidenum">
+            <a:fld id="{5E53781C-730F-4F52-BCBF-A526E9E1916B}" type="slidenum">
               <a:rPr lang="zh-CN" altLang="en-US" smtClean="0"/>
               <a:t>‹#›</a:t>
             </a:fld>
@@ -2726,7 +2726,7 @@
     </p:spTree>
     <p:extLst>
       <p:ext uri="{BB962C8B-B14F-4D97-AF65-F5344CB8AC3E}">
-        <p14:creationId xmlns:p14="http://schemas.microsoft.com/office/powerpoint/2010/main" val="3485705062"/>
+        <p14:creationId xmlns:p14="http://schemas.microsoft.com/office/powerpoint/2010/main" val="4123479098"/>
       </p:ext>
     </p:extLst>
   </p:cSld>
@@ -2763,7 +2763,7 @@
           <p:cNvPr id="2" name="标题占位符 1">
             <a:extLst>
               <a:ext uri="{FF2B5EF4-FFF2-40B4-BE49-F238E27FC236}">
-                <a16:creationId xmlns:a16="http://schemas.microsoft.com/office/drawing/2014/main" id="{D063EDF0-2385-0779-2230-BEB1BE16C7CC}"/>
+                <a16:creationId xmlns:a16="http://schemas.microsoft.com/office/drawing/2014/main" id="{8EC7AB96-C0B1-66DF-2181-393DC58FF581}"/>
               </a:ext>
             </a:extLst>
           </p:cNvPr>
@@ -2801,7 +2801,7 @@
           <p:cNvPr id="3" name="文本占位符 2">
             <a:extLst>
               <a:ext uri="{FF2B5EF4-FFF2-40B4-BE49-F238E27FC236}">
-                <a16:creationId xmlns:a16="http://schemas.microsoft.com/office/drawing/2014/main" id="{C745D2D8-43E6-32CC-3D2A-4695493D2739}"/>
+                <a16:creationId xmlns:a16="http://schemas.microsoft.com/office/drawing/2014/main" id="{263B2F29-7895-FFDB-174F-5F35932F4449}"/>
               </a:ext>
             </a:extLst>
           </p:cNvPr>
@@ -2868,7 +2868,7 @@
           <p:cNvPr id="4" name="日期占位符 3">
             <a:extLst>
               <a:ext uri="{FF2B5EF4-FFF2-40B4-BE49-F238E27FC236}">
-                <a16:creationId xmlns:a16="http://schemas.microsoft.com/office/drawing/2014/main" id="{5BD20561-F7EE-87CA-F2E6-4032F1A4E100}"/>
+                <a16:creationId xmlns:a16="http://schemas.microsoft.com/office/drawing/2014/main" id="{822D8BE1-29A1-033C-A1F1-C10F3402C1A6}"/>
               </a:ext>
             </a:extLst>
           </p:cNvPr>
@@ -2902,7 +2902,7 @@
             </a:lvl1pPr>
           </a:lstStyle>
           <a:p>
-            <a:fld id="{AD6F0BA9-E6A0-44D9-8C68-A9177038F4D1}" type="datetimeFigureOut">
+            <a:fld id="{CBEEA679-A350-4339-AA30-B3356DD2A22D}" type="datetimeFigureOut">
               <a:rPr lang="zh-CN" altLang="en-US" smtClean="0"/>
               <a:t>2024/3/10</a:t>
             </a:fld>
@@ -2915,7 +2915,7 @@
           <p:cNvPr id="5" name="页脚占位符 4">
             <a:extLst>
               <a:ext uri="{FF2B5EF4-FFF2-40B4-BE49-F238E27FC236}">
-                <a16:creationId xmlns:a16="http://schemas.microsoft.com/office/drawing/2014/main" id="{F3FFC36C-E812-7505-49AA-77E2AE6CE19F}"/>
+                <a16:creationId xmlns:a16="http://schemas.microsoft.com/office/drawing/2014/main" id="{A4013E1C-3512-CF7C-854C-8F59AEE0CB7F}"/>
               </a:ext>
             </a:extLst>
           </p:cNvPr>
@@ -2958,7 +2958,7 @@
           <p:cNvPr id="6" name="灯片编号占位符 5">
             <a:extLst>
               <a:ext uri="{FF2B5EF4-FFF2-40B4-BE49-F238E27FC236}">
-                <a16:creationId xmlns:a16="http://schemas.microsoft.com/office/drawing/2014/main" id="{8BA8428A-B088-3796-BA5D-BF84077F58C4}"/>
+                <a16:creationId xmlns:a16="http://schemas.microsoft.com/office/drawing/2014/main" id="{0E6F2A3F-8AE3-3D82-7827-CA76C814ADDB}"/>
               </a:ext>
             </a:extLst>
           </p:cNvPr>
@@ -2992,7 +2992,7 @@
             </a:lvl1pPr>
           </a:lstStyle>
           <a:p>
-            <a:fld id="{B943B9A2-E9B2-46EB-AC54-E2A642B8C0DA}" type="slidenum">
+            <a:fld id="{5E53781C-730F-4F52-BCBF-A526E9E1916B}" type="slidenum">
               <a:rPr lang="zh-CN" altLang="en-US" smtClean="0"/>
               <a:t>‹#›</a:t>
             </a:fld>
@@ -3003,7 +3003,7 @@
     </p:spTree>
     <p:extLst>
       <p:ext uri="{BB962C8B-B14F-4D97-AF65-F5344CB8AC3E}">
-        <p14:creationId xmlns:p14="http://schemas.microsoft.com/office/powerpoint/2010/main" val="2027703984"/>
+        <p14:creationId xmlns:p14="http://schemas.microsoft.com/office/powerpoint/2010/main" val="1136785666"/>
       </p:ext>
     </p:extLst>
   </p:cSld>
